--- a/1.1_Machine_Learning_at_a_Glance.pptx
+++ b/1.1_Machine_Learning_at_a_Glance.pptx
@@ -292,7 +292,7 @@
           <a:p>
             <a:fld id="{879262EA-21DB-4DB0-916D-34828C66D19F}" type="datetimeFigureOut">
               <a:rPr lang="ko-KR" altLang="en-US" smtClean="0"/>
-              <a:t>2022-04-18</a:t>
+              <a:t>2022-04-19</a:t>
             </a:fld>
             <a:endParaRPr lang="ko-KR" altLang="en-US"/>
           </a:p>
@@ -490,7 +490,7 @@
           <a:p>
             <a:fld id="{879262EA-21DB-4DB0-916D-34828C66D19F}" type="datetimeFigureOut">
               <a:rPr lang="ko-KR" altLang="en-US" smtClean="0"/>
-              <a:t>2022-04-18</a:t>
+              <a:t>2022-04-19</a:t>
             </a:fld>
             <a:endParaRPr lang="ko-KR" altLang="en-US"/>
           </a:p>
@@ -698,7 +698,7 @@
           <a:p>
             <a:fld id="{879262EA-21DB-4DB0-916D-34828C66D19F}" type="datetimeFigureOut">
               <a:rPr lang="ko-KR" altLang="en-US" smtClean="0"/>
-              <a:t>2022-04-18</a:t>
+              <a:t>2022-04-19</a:t>
             </a:fld>
             <a:endParaRPr lang="ko-KR" altLang="en-US"/>
           </a:p>
@@ -896,7 +896,7 @@
           <a:p>
             <a:fld id="{879262EA-21DB-4DB0-916D-34828C66D19F}" type="datetimeFigureOut">
               <a:rPr lang="ko-KR" altLang="en-US" smtClean="0"/>
-              <a:t>2022-04-18</a:t>
+              <a:t>2022-04-19</a:t>
             </a:fld>
             <a:endParaRPr lang="ko-KR" altLang="en-US"/>
           </a:p>
@@ -1171,7 +1171,7 @@
           <a:p>
             <a:fld id="{879262EA-21DB-4DB0-916D-34828C66D19F}" type="datetimeFigureOut">
               <a:rPr lang="ko-KR" altLang="en-US" smtClean="0"/>
-              <a:t>2022-04-18</a:t>
+              <a:t>2022-04-19</a:t>
             </a:fld>
             <a:endParaRPr lang="ko-KR" altLang="en-US"/>
           </a:p>
@@ -1436,7 +1436,7 @@
           <a:p>
             <a:fld id="{879262EA-21DB-4DB0-916D-34828C66D19F}" type="datetimeFigureOut">
               <a:rPr lang="ko-KR" altLang="en-US" smtClean="0"/>
-              <a:t>2022-04-18</a:t>
+              <a:t>2022-04-19</a:t>
             </a:fld>
             <a:endParaRPr lang="ko-KR" altLang="en-US"/>
           </a:p>
@@ -1848,7 +1848,7 @@
           <a:p>
             <a:fld id="{879262EA-21DB-4DB0-916D-34828C66D19F}" type="datetimeFigureOut">
               <a:rPr lang="ko-KR" altLang="en-US" smtClean="0"/>
-              <a:t>2022-04-18</a:t>
+              <a:t>2022-04-19</a:t>
             </a:fld>
             <a:endParaRPr lang="ko-KR" altLang="en-US"/>
           </a:p>
@@ -1989,7 +1989,7 @@
           <a:p>
             <a:fld id="{879262EA-21DB-4DB0-916D-34828C66D19F}" type="datetimeFigureOut">
               <a:rPr lang="ko-KR" altLang="en-US" smtClean="0"/>
-              <a:t>2022-04-18</a:t>
+              <a:t>2022-04-19</a:t>
             </a:fld>
             <a:endParaRPr lang="ko-KR" altLang="en-US"/>
           </a:p>
@@ -2102,7 +2102,7 @@
           <a:p>
             <a:fld id="{879262EA-21DB-4DB0-916D-34828C66D19F}" type="datetimeFigureOut">
               <a:rPr lang="ko-KR" altLang="en-US" smtClean="0"/>
-              <a:t>2022-04-18</a:t>
+              <a:t>2022-04-19</a:t>
             </a:fld>
             <a:endParaRPr lang="ko-KR" altLang="en-US"/>
           </a:p>
@@ -2413,7 +2413,7 @@
           <a:p>
             <a:fld id="{879262EA-21DB-4DB0-916D-34828C66D19F}" type="datetimeFigureOut">
               <a:rPr lang="ko-KR" altLang="en-US" smtClean="0"/>
-              <a:t>2022-04-18</a:t>
+              <a:t>2022-04-19</a:t>
             </a:fld>
             <a:endParaRPr lang="ko-KR" altLang="en-US"/>
           </a:p>
@@ -2701,7 +2701,7 @@
           <a:p>
             <a:fld id="{879262EA-21DB-4DB0-916D-34828C66D19F}" type="datetimeFigureOut">
               <a:rPr lang="ko-KR" altLang="en-US" smtClean="0"/>
-              <a:t>2022-04-18</a:t>
+              <a:t>2022-04-19</a:t>
             </a:fld>
             <a:endParaRPr lang="ko-KR" altLang="en-US"/>
           </a:p>
@@ -2942,7 +2942,7 @@
           <a:p>
             <a:fld id="{879262EA-21DB-4DB0-916D-34828C66D19F}" type="datetimeFigureOut">
               <a:rPr lang="ko-KR" altLang="en-US" smtClean="0"/>
-              <a:t>2022-04-18</a:t>
+              <a:t>2022-04-19</a:t>
             </a:fld>
             <a:endParaRPr lang="ko-KR" altLang="en-US"/>
           </a:p>
@@ -5368,7 +5368,7 @@
                 </a:solidFill>
                 <a:effectLst/>
               </a:rPr>
-              <a:t>So training data purification is important.</a:t>
+              <a:t>So, training data purification is important.</a:t>
             </a:r>
           </a:p>
           <a:p>
